--- a/Final Presentation Slides/Jose-Astudillo-Slide.pptx
+++ b/Final Presentation Slides/Jose-Astudillo-Slide.pptx
@@ -608,7 +608,7 @@
           <a:p>
             <a:fld id="{0E21F4FD-A5F3-4314-9515-BC0441F49223}" type="datetimeFigureOut">
               <a:rPr lang="en-US" smtClean="0"/>
-              <a:t>12/9/2014</a:t>
+              <a:t>12/10/2014</a:t>
             </a:fld>
             <a:endParaRPr lang="en-US"/>
           </a:p>
@@ -834,7 +834,7 @@
           <a:p>
             <a:fld id="{0E21F4FD-A5F3-4314-9515-BC0441F49223}" type="datetimeFigureOut">
               <a:rPr lang="en-US" smtClean="0"/>
-              <a:t>12/9/2014</a:t>
+              <a:t>12/10/2014</a:t>
             </a:fld>
             <a:endParaRPr lang="en-US"/>
           </a:p>
@@ -1009,7 +1009,7 @@
           <a:p>
             <a:fld id="{0E21F4FD-A5F3-4314-9515-BC0441F49223}" type="datetimeFigureOut">
               <a:rPr lang="en-US" smtClean="0"/>
-              <a:t>12/9/2014</a:t>
+              <a:t>12/10/2014</a:t>
             </a:fld>
             <a:endParaRPr lang="en-US"/>
           </a:p>
@@ -1174,7 +1174,7 @@
           <a:p>
             <a:fld id="{0E21F4FD-A5F3-4314-9515-BC0441F49223}" type="datetimeFigureOut">
               <a:rPr lang="en-US" smtClean="0"/>
-              <a:t>12/9/2014</a:t>
+              <a:t>12/10/2014</a:t>
             </a:fld>
             <a:endParaRPr lang="en-US"/>
           </a:p>
@@ -1415,7 +1415,7 @@
           <a:p>
             <a:fld id="{0E21F4FD-A5F3-4314-9515-BC0441F49223}" type="datetimeFigureOut">
               <a:rPr lang="en-US" smtClean="0"/>
-              <a:t>12/9/2014</a:t>
+              <a:t>12/10/2014</a:t>
             </a:fld>
             <a:endParaRPr lang="en-US"/>
           </a:p>
@@ -1528,7 +1528,7 @@
           <a:p>
             <a:fld id="{0E21F4FD-A5F3-4314-9515-BC0441F49223}" type="datetimeFigureOut">
               <a:rPr lang="en-US" smtClean="0"/>
-              <a:t>12/9/2014</a:t>
+              <a:t>12/10/2014</a:t>
             </a:fld>
             <a:endParaRPr lang="en-US"/>
           </a:p>
@@ -1905,7 +1905,7 @@
           <a:p>
             <a:fld id="{0E21F4FD-A5F3-4314-9515-BC0441F49223}" type="datetimeFigureOut">
               <a:rPr lang="en-US" smtClean="0"/>
-              <a:t>12/9/2014</a:t>
+              <a:t>12/10/2014</a:t>
             </a:fld>
             <a:endParaRPr lang="en-US"/>
           </a:p>
@@ -7550,7 +7550,7 @@
           <a:p>
             <a:fld id="{0E21F4FD-A5F3-4314-9515-BC0441F49223}" type="datetimeFigureOut">
               <a:rPr lang="en-US" smtClean="0"/>
-              <a:t>12/9/2014</a:t>
+              <a:t>12/10/2014</a:t>
             </a:fld>
             <a:endParaRPr lang="en-US"/>
           </a:p>
@@ -7640,7 +7640,7 @@
           <a:p>
             <a:fld id="{0E21F4FD-A5F3-4314-9515-BC0441F49223}" type="datetimeFigureOut">
               <a:rPr lang="en-US" smtClean="0"/>
-              <a:t>12/9/2014</a:t>
+              <a:t>12/10/2014</a:t>
             </a:fld>
             <a:endParaRPr lang="en-US"/>
           </a:p>
@@ -7912,7 +7912,7 @@
           <a:p>
             <a:fld id="{0E21F4FD-A5F3-4314-9515-BC0441F49223}" type="datetimeFigureOut">
               <a:rPr lang="en-US" smtClean="0"/>
-              <a:t>12/9/2014</a:t>
+              <a:t>12/10/2014</a:t>
             </a:fld>
             <a:endParaRPr lang="en-US"/>
           </a:p>
@@ -8220,7 +8220,7 @@
           <a:p>
             <a:fld id="{0E21F4FD-A5F3-4314-9515-BC0441F49223}" type="datetimeFigureOut">
               <a:rPr lang="en-US" smtClean="0"/>
-              <a:t>12/9/2014</a:t>
+              <a:t>12/10/2014</a:t>
             </a:fld>
             <a:endParaRPr lang="en-US"/>
           </a:p>
@@ -8457,7 +8457,7 @@
           <a:p>
             <a:fld id="{0E21F4FD-A5F3-4314-9515-BC0441F49223}" type="datetimeFigureOut">
               <a:rPr lang="en-US" smtClean="0"/>
-              <a:t>12/9/2014</a:t>
+              <a:t>12/10/2014</a:t>
             </a:fld>
             <a:endParaRPr lang="en-US"/>
           </a:p>
@@ -9383,8 +9383,18 @@
             </a:pPr>
             <a:r>
               <a:rPr lang="en-US" dirty="0" smtClean="0"/>
-              <a:t>A new process that includes…</a:t>
-            </a:r>
+              <a:t>A new process that includes</a:t>
+            </a:r>
+            <a:r>
+              <a:rPr lang="en-US" dirty="0" smtClean="0"/>
+              <a:t>…</a:t>
+            </a:r>
+          </a:p>
+          <a:p>
+            <a:pPr marL="0" indent="0">
+              <a:buNone/>
+            </a:pPr>
+            <a:endParaRPr lang="en-US" dirty="0" smtClean="0"/>
           </a:p>
           <a:p>
             <a:r>

--- a/Final Presentation Slides/Jose-Astudillo-Slide.pptx
+++ b/Final Presentation Slides/Jose-Astudillo-Slide.pptx
@@ -8,8 +8,8 @@
     <p:sldId id="256" r:id="rId2"/>
     <p:sldId id="257" r:id="rId3"/>
     <p:sldId id="258" r:id="rId4"/>
-    <p:sldId id="259" r:id="rId5"/>
-    <p:sldId id="261" r:id="rId6"/>
+    <p:sldId id="261" r:id="rId5"/>
+    <p:sldId id="259" r:id="rId6"/>
     <p:sldId id="262" r:id="rId7"/>
     <p:sldId id="263" r:id="rId8"/>
   </p:sldIdLst>
@@ -608,7 +608,7 @@
           <a:p>
             <a:fld id="{0E21F4FD-A5F3-4314-9515-BC0441F49223}" type="datetimeFigureOut">
               <a:rPr lang="en-US" smtClean="0"/>
-              <a:t>12/10/2014</a:t>
+              <a:t>12/11/2014</a:t>
             </a:fld>
             <a:endParaRPr lang="en-US"/>
           </a:p>
@@ -834,7 +834,7 @@
           <a:p>
             <a:fld id="{0E21F4FD-A5F3-4314-9515-BC0441F49223}" type="datetimeFigureOut">
               <a:rPr lang="en-US" smtClean="0"/>
-              <a:t>12/10/2014</a:t>
+              <a:t>12/11/2014</a:t>
             </a:fld>
             <a:endParaRPr lang="en-US"/>
           </a:p>
@@ -1009,7 +1009,7 @@
           <a:p>
             <a:fld id="{0E21F4FD-A5F3-4314-9515-BC0441F49223}" type="datetimeFigureOut">
               <a:rPr lang="en-US" smtClean="0"/>
-              <a:t>12/10/2014</a:t>
+              <a:t>12/11/2014</a:t>
             </a:fld>
             <a:endParaRPr lang="en-US"/>
           </a:p>
@@ -1174,7 +1174,7 @@
           <a:p>
             <a:fld id="{0E21F4FD-A5F3-4314-9515-BC0441F49223}" type="datetimeFigureOut">
               <a:rPr lang="en-US" smtClean="0"/>
-              <a:t>12/10/2014</a:t>
+              <a:t>12/11/2014</a:t>
             </a:fld>
             <a:endParaRPr lang="en-US"/>
           </a:p>
@@ -1415,7 +1415,7 @@
           <a:p>
             <a:fld id="{0E21F4FD-A5F3-4314-9515-BC0441F49223}" type="datetimeFigureOut">
               <a:rPr lang="en-US" smtClean="0"/>
-              <a:t>12/10/2014</a:t>
+              <a:t>12/11/2014</a:t>
             </a:fld>
             <a:endParaRPr lang="en-US"/>
           </a:p>
@@ -1528,7 +1528,7 @@
           <a:p>
             <a:fld id="{0E21F4FD-A5F3-4314-9515-BC0441F49223}" type="datetimeFigureOut">
               <a:rPr lang="en-US" smtClean="0"/>
-              <a:t>12/10/2014</a:t>
+              <a:t>12/11/2014</a:t>
             </a:fld>
             <a:endParaRPr lang="en-US"/>
           </a:p>
@@ -1905,7 +1905,7 @@
           <a:p>
             <a:fld id="{0E21F4FD-A5F3-4314-9515-BC0441F49223}" type="datetimeFigureOut">
               <a:rPr lang="en-US" smtClean="0"/>
-              <a:t>12/10/2014</a:t>
+              <a:t>12/11/2014</a:t>
             </a:fld>
             <a:endParaRPr lang="en-US"/>
           </a:p>
@@ -7550,7 +7550,7 @@
           <a:p>
             <a:fld id="{0E21F4FD-A5F3-4314-9515-BC0441F49223}" type="datetimeFigureOut">
               <a:rPr lang="en-US" smtClean="0"/>
-              <a:t>12/10/2014</a:t>
+              <a:t>12/11/2014</a:t>
             </a:fld>
             <a:endParaRPr lang="en-US"/>
           </a:p>
@@ -7640,7 +7640,7 @@
           <a:p>
             <a:fld id="{0E21F4FD-A5F3-4314-9515-BC0441F49223}" type="datetimeFigureOut">
               <a:rPr lang="en-US" smtClean="0"/>
-              <a:t>12/10/2014</a:t>
+              <a:t>12/11/2014</a:t>
             </a:fld>
             <a:endParaRPr lang="en-US"/>
           </a:p>
@@ -7912,7 +7912,7 @@
           <a:p>
             <a:fld id="{0E21F4FD-A5F3-4314-9515-BC0441F49223}" type="datetimeFigureOut">
               <a:rPr lang="en-US" smtClean="0"/>
-              <a:t>12/10/2014</a:t>
+              <a:t>12/11/2014</a:t>
             </a:fld>
             <a:endParaRPr lang="en-US"/>
           </a:p>
@@ -8220,7 +8220,7 @@
           <a:p>
             <a:fld id="{0E21F4FD-A5F3-4314-9515-BC0441F49223}" type="datetimeFigureOut">
               <a:rPr lang="en-US" smtClean="0"/>
-              <a:t>12/10/2014</a:t>
+              <a:t>12/11/2014</a:t>
             </a:fld>
             <a:endParaRPr lang="en-US"/>
           </a:p>
@@ -8457,7 +8457,7 @@
           <a:p>
             <a:fld id="{0E21F4FD-A5F3-4314-9515-BC0441F49223}" type="datetimeFigureOut">
               <a:rPr lang="en-US" smtClean="0"/>
-              <a:t>12/10/2014</a:t>
+              <a:t>12/11/2014</a:t>
             </a:fld>
             <a:endParaRPr lang="en-US"/>
           </a:p>
@@ -8976,10 +8976,22 @@
           <a:lstStyle/>
           <a:p>
             <a:r>
-              <a:rPr lang="en-US" dirty="0" smtClean="0"/>
+              <a:rPr lang="en-US" dirty="0" smtClean="0">
+                <a:solidFill>
+                  <a:schemeClr val="bg2">
+                    <a:lumMod val="90000"/>
+                  </a:schemeClr>
+                </a:solidFill>
+              </a:rPr>
               <a:t>University Catalog Management System v2.0</a:t>
             </a:r>
-            <a:endParaRPr lang="en-US" dirty="0"/>
+            <a:endParaRPr lang="en-US" dirty="0">
+              <a:solidFill>
+                <a:schemeClr val="bg2">
+                  <a:lumMod val="90000"/>
+                </a:schemeClr>
+              </a:solidFill>
+            </a:endParaRPr>
           </a:p>
         </p:txBody>
       </p:sp>
@@ -9350,14 +9362,19 @@
             <p:ph type="title"/>
           </p:nvPr>
         </p:nvSpPr>
-        <p:spPr/>
+        <p:spPr>
+          <a:xfrm>
+            <a:off x="609600" y="228600"/>
+            <a:ext cx="8041440" cy="1442674"/>
+          </a:xfrm>
+        </p:spPr>
         <p:txBody>
           <a:bodyPr/>
           <a:lstStyle/>
           <a:p>
             <a:r>
               <a:rPr lang="en-US" dirty="0" smtClean="0"/>
-              <a:t>Solution</a:t>
+              <a:t>Requirements</a:t>
             </a:r>
             <a:endParaRPr lang="en-US" dirty="0"/>
           </a:p>
@@ -9373,52 +9390,142 @@
             <p:ph idx="1"/>
           </p:nvPr>
         </p:nvSpPr>
-        <p:spPr/>
+        <p:spPr>
+          <a:xfrm>
+            <a:off x="457200" y="1600200"/>
+            <a:ext cx="7848600" cy="4572000"/>
+          </a:xfrm>
+        </p:spPr>
         <p:txBody>
-          <a:bodyPr/>
+          <a:bodyPr>
+            <a:normAutofit fontScale="92500" lnSpcReduction="10000"/>
+          </a:bodyPr>
           <a:lstStyle/>
           <a:p>
             <a:pPr marL="0" indent="0">
               <a:buNone/>
+              <a:defRPr/>
             </a:pPr>
             <a:r>
-              <a:rPr lang="en-US" dirty="0" smtClean="0"/>
-              <a:t>A new process that includes</a:t>
-            </a:r>
-            <a:r>
-              <a:rPr lang="en-US" dirty="0" smtClean="0"/>
+              <a:rPr lang="en-US" dirty="0">
+                <a:ea typeface="ＭＳ Ｐゴシック" charset="-128"/>
+              </a:rPr>
+              <a:t>The new version of the system shall</a:t>
+            </a:r>
+            <a:r>
+              <a:rPr lang="en-US" dirty="0" smtClean="0">
+                <a:ea typeface="ＭＳ Ｐゴシック" charset="-128"/>
+              </a:rPr>
               <a:t>…</a:t>
             </a:r>
           </a:p>
           <a:p>
             <a:pPr marL="0" indent="0">
               <a:buNone/>
+              <a:defRPr/>
             </a:pPr>
-            <a:endParaRPr lang="en-US" dirty="0" smtClean="0"/>
-          </a:p>
-          <a:p>
-            <a:r>
-              <a:rPr lang="en-US" dirty="0" smtClean="0"/>
-              <a:t>Control of the input information before it becomes active.</a:t>
-            </a:r>
-          </a:p>
-          <a:p>
-            <a:r>
-              <a:rPr lang="en-US" dirty="0" smtClean="0"/>
-              <a:t>modification on current data while keeping old information.</a:t>
-            </a:r>
-          </a:p>
-          <a:p>
-            <a:r>
-              <a:rPr lang="en-US" dirty="0" smtClean="0"/>
-              <a:t>Visualization of data entered.</a:t>
-            </a:r>
-          </a:p>
-          <a:p>
-            <a:r>
-              <a:rPr lang="en-US" dirty="0" smtClean="0"/>
-              <a:t>Acceptance and rejection of data for the UCMS.</a:t>
-            </a:r>
+            <a:endParaRPr lang="en-US" dirty="0">
+              <a:ea typeface="ＭＳ Ｐゴシック" charset="-128"/>
+            </a:endParaRPr>
+          </a:p>
+          <a:p>
+            <a:pPr>
+              <a:buFont typeface="Courier New" panose="02070309020205020404" pitchFamily="49" charset="0"/>
+              <a:buChar char="o"/>
+              <a:defRPr/>
+            </a:pPr>
+            <a:r>
+              <a:rPr lang="en-US" dirty="0" smtClean="0">
+                <a:ea typeface="ＭＳ Ｐゴシック" charset="-128"/>
+              </a:rPr>
+              <a:t>Allow </a:t>
+            </a:r>
+            <a:r>
+              <a:rPr lang="en-US" dirty="0">
+                <a:ea typeface="ＭＳ Ｐゴシック" charset="-128"/>
+              </a:rPr>
+              <a:t>advisors to create prospective catalogs.</a:t>
+            </a:r>
+          </a:p>
+          <a:p>
+            <a:pPr>
+              <a:buFont typeface="Courier New" panose="02070309020205020404" pitchFamily="49" charset="0"/>
+              <a:buChar char="o"/>
+              <a:defRPr/>
+            </a:pPr>
+            <a:r>
+              <a:rPr lang="en-US" dirty="0">
+                <a:ea typeface="ＭＳ Ｐゴシック" charset="-128"/>
+              </a:rPr>
+              <a:t>Allow advisors to create new prospective majors, minors, certificates, tracks, groups, set, and courses.</a:t>
+            </a:r>
+          </a:p>
+          <a:p>
+            <a:pPr>
+              <a:buFont typeface="Courier New" panose="02070309020205020404" pitchFamily="49" charset="0"/>
+              <a:buChar char="o"/>
+              <a:defRPr/>
+            </a:pPr>
+            <a:r>
+              <a:rPr lang="en-US" dirty="0">
+                <a:ea typeface="ＭＳ Ｐゴシック" charset="-128"/>
+              </a:rPr>
+              <a:t>Allow advisors to make prospective changes on existing active data for majors, minors, certificates, tracks, groups, set, and courses.</a:t>
+            </a:r>
+          </a:p>
+          <a:p>
+            <a:pPr>
+              <a:buFont typeface="Courier New" panose="02070309020205020404" pitchFamily="49" charset="0"/>
+              <a:buChar char="o"/>
+              <a:defRPr/>
+            </a:pPr>
+            <a:r>
+              <a:rPr lang="en-US" dirty="0">
+                <a:ea typeface="ＭＳ Ｐゴシック" charset="-128"/>
+              </a:rPr>
+              <a:t>Allow advisors to propose prospective catalogs.</a:t>
+            </a:r>
+          </a:p>
+          <a:p>
+            <a:pPr>
+              <a:buFont typeface="Courier New" panose="02070309020205020404" pitchFamily="49" charset="0"/>
+              <a:buChar char="o"/>
+              <a:defRPr/>
+            </a:pPr>
+            <a:r>
+              <a:rPr lang="en-US" dirty="0">
+                <a:ea typeface="ＭＳ Ｐゴシック" charset="-128"/>
+              </a:rPr>
+              <a:t>Allow advisors and administrators to view prospective catalogs.</a:t>
+            </a:r>
+          </a:p>
+          <a:p>
+            <a:pPr>
+              <a:buFont typeface="Courier New" panose="02070309020205020404" pitchFamily="49" charset="0"/>
+              <a:buChar char="o"/>
+              <a:defRPr/>
+            </a:pPr>
+            <a:r>
+              <a:rPr lang="en-US" dirty="0">
+                <a:ea typeface="ＭＳ Ｐゴシック" charset="-128"/>
+              </a:rPr>
+              <a:t>Allow administrators to accept prospective catalogs.</a:t>
+            </a:r>
+          </a:p>
+          <a:p>
+            <a:pPr>
+              <a:buFont typeface="Courier New" panose="02070309020205020404" pitchFamily="49" charset="0"/>
+              <a:buChar char="o"/>
+              <a:defRPr/>
+            </a:pPr>
+            <a:r>
+              <a:rPr lang="en-US" dirty="0">
+                <a:ea typeface="ＭＳ Ｐゴシック" charset="-128"/>
+              </a:rPr>
+              <a:t>Allow administrators to reject prospective catalogs.</a:t>
+            </a:r>
+          </a:p>
+          <a:p>
             <a:endParaRPr lang="en-US" dirty="0"/>
           </a:p>
         </p:txBody>
@@ -9426,7 +9533,7 @@
     </p:spTree>
     <p:extLst>
       <p:ext uri="{BB962C8B-B14F-4D97-AF65-F5344CB8AC3E}">
-        <p14:creationId xmlns:p14="http://schemas.microsoft.com/office/powerpoint/2010/main" val="3840249854"/>
+        <p14:creationId xmlns:p14="http://schemas.microsoft.com/office/powerpoint/2010/main" val="3620432850"/>
       </p:ext>
     </p:extLst>
   </p:cSld>
@@ -9470,19 +9577,14 @@
             <p:ph type="title"/>
           </p:nvPr>
         </p:nvSpPr>
-        <p:spPr>
-          <a:xfrm>
-            <a:off x="609600" y="228600"/>
-            <a:ext cx="8041440" cy="1442674"/>
-          </a:xfrm>
-        </p:spPr>
+        <p:spPr/>
         <p:txBody>
           <a:bodyPr/>
           <a:lstStyle/>
           <a:p>
             <a:r>
               <a:rPr lang="en-US" dirty="0" smtClean="0"/>
-              <a:t>Requirements</a:t>
+              <a:t>Solution</a:t>
             </a:r>
             <a:endParaRPr lang="en-US" dirty="0"/>
           </a:p>
@@ -9498,142 +9600,48 @@
             <p:ph idx="1"/>
           </p:nvPr>
         </p:nvSpPr>
-        <p:spPr>
-          <a:xfrm>
-            <a:off x="457200" y="1600200"/>
-            <a:ext cx="7848600" cy="4572000"/>
-          </a:xfrm>
-        </p:spPr>
+        <p:spPr/>
         <p:txBody>
-          <a:bodyPr>
-            <a:normAutofit fontScale="92500" lnSpcReduction="10000"/>
-          </a:bodyPr>
+          <a:bodyPr/>
           <a:lstStyle/>
           <a:p>
             <a:pPr marL="0" indent="0">
               <a:buNone/>
-              <a:defRPr/>
             </a:pPr>
             <a:r>
-              <a:rPr lang="en-US" dirty="0">
-                <a:ea typeface="ＭＳ Ｐゴシック" charset="-128"/>
-              </a:rPr>
-              <a:t>The new version of the system shall</a:t>
-            </a:r>
-            <a:r>
-              <a:rPr lang="en-US" dirty="0" smtClean="0">
-                <a:ea typeface="ＭＳ Ｐゴシック" charset="-128"/>
-              </a:rPr>
-              <a:t>…</a:t>
+              <a:rPr lang="en-US" dirty="0" smtClean="0"/>
+              <a:t>A new process that includes…</a:t>
             </a:r>
           </a:p>
           <a:p>
             <a:pPr marL="0" indent="0">
               <a:buNone/>
-              <a:defRPr/>
             </a:pPr>
-            <a:endParaRPr lang="en-US" dirty="0">
-              <a:ea typeface="ＭＳ Ｐゴシック" charset="-128"/>
-            </a:endParaRPr>
-          </a:p>
-          <a:p>
-            <a:pPr>
-              <a:buFont typeface="Courier New" panose="02070309020205020404" pitchFamily="49" charset="0"/>
-              <a:buChar char="o"/>
-              <a:defRPr/>
-            </a:pPr>
-            <a:r>
-              <a:rPr lang="en-US" dirty="0" smtClean="0">
-                <a:ea typeface="ＭＳ Ｐゴシック" charset="-128"/>
-              </a:rPr>
-              <a:t>Allow </a:t>
-            </a:r>
-            <a:r>
-              <a:rPr lang="en-US" dirty="0">
-                <a:ea typeface="ＭＳ Ｐゴシック" charset="-128"/>
-              </a:rPr>
-              <a:t>advisors to create prospective catalogs.</a:t>
-            </a:r>
-          </a:p>
-          <a:p>
-            <a:pPr>
-              <a:buFont typeface="Courier New" panose="02070309020205020404" pitchFamily="49" charset="0"/>
-              <a:buChar char="o"/>
-              <a:defRPr/>
-            </a:pPr>
-            <a:r>
-              <a:rPr lang="en-US" dirty="0">
-                <a:ea typeface="ＭＳ Ｐゴシック" charset="-128"/>
-              </a:rPr>
-              <a:t>Allow advisors to create new prospective majors, minors, certificates, tracks, groups, set, and courses.</a:t>
-            </a:r>
-          </a:p>
-          <a:p>
-            <a:pPr>
-              <a:buFont typeface="Courier New" panose="02070309020205020404" pitchFamily="49" charset="0"/>
-              <a:buChar char="o"/>
-              <a:defRPr/>
-            </a:pPr>
-            <a:r>
-              <a:rPr lang="en-US" dirty="0">
-                <a:ea typeface="ＭＳ Ｐゴシック" charset="-128"/>
-              </a:rPr>
-              <a:t>Allow advisors to make prospective changes on existing active data for majors, minors, certificates, tracks, groups, set, and courses.</a:t>
-            </a:r>
-          </a:p>
-          <a:p>
-            <a:pPr>
-              <a:buFont typeface="Courier New" panose="02070309020205020404" pitchFamily="49" charset="0"/>
-              <a:buChar char="o"/>
-              <a:defRPr/>
-            </a:pPr>
-            <a:r>
-              <a:rPr lang="en-US" dirty="0">
-                <a:ea typeface="ＭＳ Ｐゴシック" charset="-128"/>
-              </a:rPr>
-              <a:t>Allow advisors to propose prospective catalogs.</a:t>
-            </a:r>
-          </a:p>
-          <a:p>
-            <a:pPr>
-              <a:buFont typeface="Courier New" panose="02070309020205020404" pitchFamily="49" charset="0"/>
-              <a:buChar char="o"/>
-              <a:defRPr/>
-            </a:pPr>
-            <a:r>
-              <a:rPr lang="en-US" dirty="0">
-                <a:ea typeface="ＭＳ Ｐゴシック" charset="-128"/>
-              </a:rPr>
-              <a:t>Allow advisors and administrators to view prospective catalogs.</a:t>
-            </a:r>
-          </a:p>
-          <a:p>
-            <a:pPr>
-              <a:buFont typeface="Courier New" panose="02070309020205020404" pitchFamily="49" charset="0"/>
-              <a:buChar char="o"/>
-              <a:defRPr/>
-            </a:pPr>
-            <a:r>
-              <a:rPr lang="en-US" dirty="0">
-                <a:ea typeface="ＭＳ Ｐゴシック" charset="-128"/>
-              </a:rPr>
-              <a:t>Allow administrators to accept prospective catalogs.</a:t>
-            </a:r>
-          </a:p>
-          <a:p>
-            <a:pPr>
-              <a:buFont typeface="Courier New" panose="02070309020205020404" pitchFamily="49" charset="0"/>
-              <a:buChar char="o"/>
-              <a:defRPr/>
-            </a:pPr>
-            <a:r>
-              <a:rPr lang="en-US" dirty="0">
-                <a:ea typeface="ＭＳ Ｐゴシック" charset="-128"/>
-              </a:rPr>
-              <a:t>Allow administrators to reject prospective catalogs.</a:t>
-            </a:r>
-          </a:p>
-          <a:p>
+            <a:endParaRPr lang="en-US" dirty="0" smtClean="0"/>
+          </a:p>
+          <a:p>
+            <a:r>
+              <a:rPr lang="en-US" dirty="0" smtClean="0"/>
+              <a:t>Control of the input information before it becomes active.</a:t>
+            </a:r>
+          </a:p>
+          <a:p>
+            <a:r>
+              <a:rPr lang="en-US" dirty="0" smtClean="0"/>
+              <a:t>modification on current data while keeping old information.</a:t>
+            </a:r>
+          </a:p>
+          <a:p>
+            <a:r>
+              <a:rPr lang="en-US" dirty="0" smtClean="0"/>
+              <a:t>Visualization of data entered.</a:t>
+            </a:r>
+          </a:p>
+          <a:p>
+            <a:r>
+              <a:rPr lang="en-US" dirty="0" smtClean="0"/>
+              <a:t>Acceptance and rejection of data for the UCMS.</a:t>
+            </a:r>
             <a:endParaRPr lang="en-US" dirty="0"/>
           </a:p>
         </p:txBody>
@@ -9641,7 +9649,7 @@
     </p:spTree>
     <p:extLst>
       <p:ext uri="{BB962C8B-B14F-4D97-AF65-F5344CB8AC3E}">
-        <p14:creationId xmlns:p14="http://schemas.microsoft.com/office/powerpoint/2010/main" val="3620432850"/>
+        <p14:creationId xmlns:p14="http://schemas.microsoft.com/office/powerpoint/2010/main" val="3840249854"/>
       </p:ext>
     </p:extLst>
   </p:cSld>
